--- a/folien/13_Textanalyse_Text2_Besprechung.pptx
+++ b/folien/13_Textanalyse_Text2_Besprechung.pptx
@@ -268,7 +268,7 @@
               <a:pPr>
                 <a:defRPr/>
               </a:pPr>
-              <a:t>01.07.2022</a:t>
+              <a:t>05.07.2022</a:t>
             </a:fld>
             <a:endParaRPr lang="de-DE"/>
           </a:p>
@@ -345,7 +345,7 @@
             <a:fld id="{8A090C10-CBC2-46C1-96A6-5B300C7E5F8D}" type="slidenum">
               <a:rPr lang="de-DE" altLang="de-DE"/>
               <a:pPr/>
-              <a:t>‹#›</a:t>
+              <a:t>‹Nr.›</a:t>
             </a:fld>
             <a:endParaRPr lang="de-DE" altLang="de-DE"/>
           </a:p>
@@ -462,7 +462,7 @@
               <a:pPr>
                 <a:defRPr/>
               </a:pPr>
-              <a:t>01.07.2022</a:t>
+              <a:t>05.07.2022</a:t>
             </a:fld>
             <a:endParaRPr lang="de-DE"/>
           </a:p>
@@ -634,7 +634,7 @@
             <a:fld id="{90157F59-6216-46F3-91AD-B5D7290D1FC5}" type="slidenum">
               <a:rPr lang="de-DE" altLang="de-DE"/>
               <a:pPr/>
-              <a:t>‹#›</a:t>
+              <a:t>‹Nr.›</a:t>
             </a:fld>
             <a:endParaRPr lang="de-DE" altLang="de-DE"/>
           </a:p>
@@ -1840,7 +1840,7 @@
               <a:pPr>
                 <a:defRPr/>
               </a:pPr>
-              <a:t>‹#›</a:t>
+              <a:t>‹Nr.›</a:t>
             </a:fld>
             <a:endParaRPr lang="de-DE" altLang="en-US"/>
           </a:p>
@@ -1906,7 +1906,7 @@
               <a:pPr>
                 <a:defRPr/>
               </a:pPr>
-              <a:t>‹#›</a:t>
+              <a:t>‹Nr.›</a:t>
             </a:fld>
             <a:r>
               <a:rPr lang="de-DE"/>
@@ -2156,7 +2156,7 @@
               <a:pPr>
                 <a:defRPr/>
               </a:pPr>
-              <a:t>‹#›</a:t>
+              <a:t>‹Nr.›</a:t>
             </a:fld>
             <a:endParaRPr lang="de-DE" altLang="en-US"/>
           </a:p>
@@ -2385,7 +2385,7 @@
               <a:pPr>
                 <a:defRPr/>
               </a:pPr>
-              <a:t>‹#›</a:t>
+              <a:t>‹Nr.›</a:t>
             </a:fld>
             <a:endParaRPr lang="de-DE" altLang="en-US"/>
           </a:p>
@@ -2542,7 +2542,7 @@
             <a:fld id="{63CECEBB-547B-4598-95D8-3FB4D608B5D5}" type="slidenum">
               <a:rPr lang="de-DE" smtClean="0"/>
               <a:pPr/>
-              <a:t>‹#›</a:t>
+              <a:t>‹Nr.›</a:t>
             </a:fld>
             <a:endParaRPr lang="de-DE" dirty="0"/>
           </a:p>
@@ -3313,7 +3313,7 @@
               <a:pPr>
                 <a:defRPr/>
               </a:pPr>
-              <a:t>‹#›</a:t>
+              <a:t>‹Nr.›</a:t>
             </a:fld>
             <a:r>
               <a:rPr lang="de-DE"/>
@@ -3709,7 +3709,7 @@
               <a:pPr>
                 <a:defRPr/>
               </a:pPr>
-              <a:t>‹#›</a:t>
+              <a:t>‹Nr.›</a:t>
             </a:fld>
             <a:endParaRPr lang="de-DE" altLang="en-US"/>
           </a:p>
@@ -3865,7 +3865,7 @@
               <a:pPr>
                 <a:defRPr/>
               </a:pPr>
-              <a:t>‹#›</a:t>
+              <a:t>‹Nr.›</a:t>
             </a:fld>
             <a:endParaRPr lang="de-DE" altLang="en-US"/>
           </a:p>
@@ -4123,7 +4123,7 @@
               <a:pPr>
                 <a:defRPr/>
               </a:pPr>
-              <a:t>‹#›</a:t>
+              <a:t>‹Nr.›</a:t>
             </a:fld>
             <a:endParaRPr lang="de-DE" altLang="en-US"/>
           </a:p>
@@ -4521,7 +4521,7 @@
               <a:pPr>
                 <a:defRPr/>
               </a:pPr>
-              <a:t>‹#›</a:t>
+              <a:t>‹Nr.›</a:t>
             </a:fld>
             <a:endParaRPr lang="de-DE" altLang="en-US"/>
           </a:p>
@@ -5082,7 +5082,7 @@
                 </a:solidFill>
               </a:rPr>
               <a:pPr eaLnBrk="1" hangingPunct="1"/>
-              <a:t>‹#›</a:t>
+              <a:t>‹Nr.›</a:t>
             </a:fld>
             <a:endParaRPr lang="de-DE" altLang="de-DE" sz="900">
               <a:solidFill>
@@ -5773,7 +5773,7 @@
               <a:pPr>
                 <a:defRPr/>
               </a:pPr>
-              <a:t>‹#›</a:t>
+              <a:t>‹Nr.›</a:t>
             </a:fld>
             <a:endParaRPr lang="de-DE" altLang="en-US"/>
           </a:p>
@@ -7468,26 +7468,6 @@
             </a:r>
           </a:p>
           <a:p>
-            <a:r>
-              <a:rPr lang="de-DE" dirty="0"/>
-              <a:t>Laden Sie diese bis 25.01. in </a:t>
-            </a:r>
-            <a:r>
-              <a:rPr lang="de-DE" dirty="0" err="1"/>
-              <a:t>Moodle</a:t>
-            </a:r>
-            <a:r>
-              <a:rPr lang="de-DE" dirty="0"/>
-              <a:t> hoch</a:t>
-            </a:r>
-          </a:p>
-          <a:p>
-            <a:r>
-              <a:rPr lang="de-DE" dirty="0"/>
-              <a:t>Im Anschluss erhalten Sie von mir ein individuelles, schriftliches Feedback (bis Semesterende)</a:t>
-            </a:r>
-          </a:p>
-          <a:p>
             <a:endParaRPr lang="de-DE" dirty="0"/>
           </a:p>
         </p:txBody>
@@ -7770,15 +7750,6 @@
           <a:p>
             <a:endParaRPr lang="de-DE" dirty="0"/>
           </a:p>
-          <a:p>
-            <a:r>
-              <a:rPr lang="de-DE" dirty="0"/>
-              <a:t>Kommentare unter: https://padlet.com/hanna_gaspard/d5oti6jalowoubek</a:t>
-            </a:r>
-          </a:p>
-          <a:p>
-            <a:endParaRPr lang="de-DE" dirty="0"/>
-          </a:p>
         </p:txBody>
       </p:sp>
       <p:sp>
@@ -7878,22 +7849,12 @@
           <a:lstStyle/>
           <a:p>
             <a:r>
+              <a:rPr lang="de-DE" dirty="0" smtClean="0"/>
+              <a:t>Bitte </a:t>
+            </a:r>
+            <a:r>
               <a:rPr lang="de-DE" dirty="0"/>
-              <a:t>Sie können ein Slot über </a:t>
-            </a:r>
-            <a:r>
-              <a:rPr lang="de-DE" dirty="0" err="1"/>
-              <a:t>Moodle</a:t>
-            </a:r>
-            <a:r>
-              <a:rPr lang="de-DE" dirty="0"/>
-              <a:t> buchen</a:t>
-            </a:r>
-          </a:p>
-          <a:p>
-            <a:r>
-              <a:rPr lang="de-DE" dirty="0"/>
-              <a:t>Bitte bereiten Sie folgendes vor:</a:t>
+              <a:t>bereiten Sie folgendes vor:</a:t>
             </a:r>
           </a:p>
           <a:p>
